--- a/Economic Algorithms/EX3/חלוקת חפצים בדידים.pptx
+++ b/Economic Algorithms/EX3/חלוקת חפצים בדידים.pptx
@@ -5,13 +5,14 @@
     <p:sldMasterId id="2147483650" r:id="rId1"/>
   </p:sldMasterIdLst>
   <p:notesMasterIdLst>
-    <p:notesMasterId r:id="rId6"/>
+    <p:notesMasterId r:id="rId7"/>
   </p:notesMasterIdLst>
   <p:sldIdLst>
     <p:sldId id="278" r:id="rId2"/>
     <p:sldId id="283" r:id="rId3"/>
     <p:sldId id="284" r:id="rId4"/>
     <p:sldId id="285" r:id="rId5"/>
+    <p:sldId id="286" r:id="rId6"/>
   </p:sldIdLst>
   <p:sldSz cx="12192000" cy="6858000"/>
   <p:notesSz cx="13716000" cy="24384000"/>
@@ -24477,6 +24478,13 @@
           <a:lstStyle/>
           <a:p>
             <a:r>
+              <a:rPr lang="he-IL" altLang="zh-CN" sz="2400" dirty="0">
+                <a:latin typeface="Arial Black" panose="020B0604020202020204" pitchFamily="34" charset="0"/>
+                <a:cs typeface="Arial Black" panose="020B0604020202020204" pitchFamily="34" charset="0"/>
+              </a:rPr>
+              <a:t>ב</a:t>
+            </a:r>
+            <a:r>
               <a:rPr lang="he-IL" altLang="zh-CN" sz="2400" b="1" dirty="0">
                 <a:solidFill>
                   <a:schemeClr val="accent6"/>
@@ -24484,7 +24492,7 @@
                 <a:latin typeface="Arial Black" panose="020B0604020202020204" pitchFamily="34" charset="0"/>
                 <a:cs typeface="Arial Black" panose="020B0604020202020204" pitchFamily="34" charset="0"/>
               </a:rPr>
-              <a:t>א. הראו דוגמה עם שלוש מפלגות, שבה שיטת אדאמס נותנת למפלגה פחות מהמיכסה התחתונה שלה.</a:t>
+              <a:t>. הראו דוגמה עם שלוש מפלגות, שבה שיטת אדאמס נותנת למפלגה פחות מהמיכסה התחתונה שלה.</a:t>
             </a:r>
             <a:endParaRPr lang="en-US" sz="2400" b="1" dirty="0">
               <a:solidFill>
@@ -24751,6 +24759,228 @@
     <p:extLst>
       <p:ext uri="{BB962C8B-B14F-4D97-AF65-F5344CB8AC3E}">
         <p14:creationId xmlns:p14="http://schemas.microsoft.com/office/powerpoint/2010/main" val="1163413209"/>
+      </p:ext>
+    </p:extLst>
+  </p:cSld>
+  <p:clrMapOvr>
+    <a:masterClrMapping/>
+  </p:clrMapOvr>
+</p:sld>
+</file>
+
+<file path=ppt/slides/slide5.xml><?xml version="1.0" encoding="utf-8"?>
+<p:sld xmlns:a="http://schemas.openxmlformats.org/drawingml/2006/main" xmlns:r="http://schemas.openxmlformats.org/officeDocument/2006/relationships" xmlns:p="http://schemas.openxmlformats.org/presentationml/2006/main">
+  <p:cSld>
+    <p:spTree>
+      <p:nvGrpSpPr>
+        <p:cNvPr id="1" name=""/>
+        <p:cNvGrpSpPr/>
+        <p:nvPr/>
+      </p:nvGrpSpPr>
+      <p:grpSpPr>
+        <a:xfrm>
+          <a:off x="0" y="0"/>
+          <a:ext cx="0" cy="0"/>
+          <a:chOff x="0" y="0"/>
+          <a:chExt cx="0" cy="0"/>
+        </a:xfrm>
+      </p:grpSpPr>
+      <p:sp>
+        <p:nvSpPr>
+          <p:cNvPr id="2" name="Title 1">
+            <a:extLst>
+              <a:ext uri="{FF2B5EF4-FFF2-40B4-BE49-F238E27FC236}">
+                <a16:creationId xmlns:a16="http://schemas.microsoft.com/office/drawing/2014/main" id="{884B311B-3177-0658-3585-6639F26A9BF6}"/>
+              </a:ext>
+            </a:extLst>
+          </p:cNvPr>
+          <p:cNvSpPr>
+            <a:spLocks noGrp="1"/>
+          </p:cNvSpPr>
+          <p:nvPr>
+            <p:ph type="title"/>
+          </p:nvPr>
+        </p:nvSpPr>
+        <p:spPr>
+          <a:xfrm>
+            <a:off x="765302" y="457200"/>
+            <a:ext cx="10671048" cy="768096"/>
+          </a:xfrm>
+        </p:spPr>
+        <p:txBody>
+          <a:bodyPr/>
+          <a:lstStyle/>
+          <a:p>
+            <a:pPr rtl="1"/>
+            <a:r>
+              <a:rPr lang="he-IL" altLang="zh-CN" sz="2400" b="1" dirty="0">
+                <a:solidFill>
+                  <a:schemeClr val="accent6"/>
+                </a:solidFill>
+                <a:latin typeface="Arial Black" panose="020B0604020202020204" pitchFamily="34" charset="0"/>
+                <a:cs typeface="Arial Black" panose="020B0604020202020204" pitchFamily="34" charset="0"/>
+              </a:rPr>
+              <a:t>ג. </a:t>
+            </a:r>
+            <a:r>
+              <a:rPr lang="he-IL" altLang="zh-CN" sz="2400" dirty="0">
+                <a:latin typeface="Arial Black" panose="020B0604020202020204" pitchFamily="34" charset="0"/>
+                <a:cs typeface="Arial Black" panose="020B0604020202020204" pitchFamily="34" charset="0"/>
+              </a:rPr>
+              <a:t>הוכיחו, שכאשר יש שתי מפלגות, כל שיטת מחלק עם פונקציה </a:t>
+            </a:r>
+            <a:r>
+              <a:rPr lang="en-US" altLang="zh-CN" sz="2400" dirty="0">
+                <a:latin typeface="Arial Black" panose="020B0604020202020204" pitchFamily="34" charset="0"/>
+                <a:cs typeface="Arial Black" panose="020B0604020202020204" pitchFamily="34" charset="0"/>
+              </a:rPr>
+              <a:t>F</a:t>
+            </a:r>
+            <a:r>
+              <a:rPr lang="he-IL" altLang="zh-CN" sz="2400" dirty="0">
+                <a:latin typeface="Arial Black" panose="020B0604020202020204" pitchFamily="34" charset="0"/>
+                <a:cs typeface="Arial Black" panose="020B0604020202020204" pitchFamily="34" charset="0"/>
+              </a:rPr>
+              <a:t> המקיימת לכל </a:t>
+            </a:r>
+            <a:r>
+              <a:rPr lang="en-US" altLang="zh-CN" sz="2400" dirty="0">
+                <a:latin typeface="Arial Black" panose="020B0604020202020204" pitchFamily="34" charset="0"/>
+                <a:cs typeface="Arial Black" panose="020B0604020202020204" pitchFamily="34" charset="0"/>
+              </a:rPr>
+              <a:t>S</a:t>
+            </a:r>
+            <a:br>
+              <a:rPr lang="en-US" altLang="zh-CN" sz="2400" dirty="0">
+                <a:latin typeface="Arial Black" panose="020B0604020202020204" pitchFamily="34" charset="0"/>
+                <a:cs typeface="Arial Black" panose="020B0604020202020204" pitchFamily="34" charset="0"/>
+              </a:rPr>
+            </a:br>
+            <a:r>
+              <a:rPr lang="en-US" altLang="zh-CN" sz="2400" dirty="0" err="1">
+                <a:latin typeface="Arial Black" panose="020B0604020202020204" pitchFamily="34" charset="0"/>
+                <a:cs typeface="Arial Black" panose="020B0604020202020204" pitchFamily="34" charset="0"/>
+              </a:rPr>
+              <a:t>S</a:t>
+            </a:r>
+            <a:r>
+              <a:rPr lang="en-US" altLang="zh-CN" sz="2400" dirty="0">
+                <a:latin typeface="Arial Black" panose="020B0604020202020204" pitchFamily="34" charset="0"/>
+                <a:cs typeface="Arial Black" panose="020B0604020202020204" pitchFamily="34" charset="0"/>
+              </a:rPr>
+              <a:t> =&lt; f(s) =&lt; s+1 </a:t>
+            </a:r>
+            <a:r>
+              <a:rPr lang="he-IL" altLang="zh-CN" sz="2400" dirty="0">
+                <a:latin typeface="Arial Black" panose="020B0604020202020204" pitchFamily="34" charset="0"/>
+                <a:cs typeface="Arial Black" panose="020B0604020202020204" pitchFamily="34" charset="0"/>
+              </a:rPr>
+              <a:t> נותנת לכל מפלגה את המיכסה העליונה או התחתונה שלה</a:t>
+            </a:r>
+            <a:endParaRPr lang="en-US" sz="2400" b="1" dirty="0">
+              <a:solidFill>
+                <a:schemeClr val="accent6"/>
+              </a:solidFill>
+              <a:latin typeface="Arial Black" panose="020B0604020202020204" pitchFamily="34" charset="0"/>
+              <a:cs typeface="Arial Black" panose="020B0604020202020204" pitchFamily="34" charset="0"/>
+            </a:endParaRPr>
+          </a:p>
+        </p:txBody>
+      </p:sp>
+      <p:sp>
+        <p:nvSpPr>
+          <p:cNvPr id="4" name="Content Placeholder 3">
+            <a:extLst>
+              <a:ext uri="{FF2B5EF4-FFF2-40B4-BE49-F238E27FC236}">
+                <a16:creationId xmlns:a16="http://schemas.microsoft.com/office/drawing/2014/main" id="{B63770B7-D63D-6A3E-DF0B-F3A4F5A9A2FE}"/>
+              </a:ext>
+            </a:extLst>
+          </p:cNvPr>
+          <p:cNvSpPr>
+            <a:spLocks noGrp="1"/>
+          </p:cNvSpPr>
+          <p:nvPr>
+            <p:ph sz="half" idx="1"/>
+          </p:nvPr>
+        </p:nvSpPr>
+        <p:spPr>
+          <a:xfrm>
+            <a:off x="755904" y="2279231"/>
+            <a:ext cx="10680192" cy="2969663"/>
+          </a:xfrm>
+        </p:spPr>
+        <p:txBody>
+          <a:bodyPr/>
+          <a:lstStyle/>
+          <a:p>
+            <a:pPr algn="r" rtl="1"/>
+            <a:r>
+              <a:rPr lang="he-IL" sz="1800" dirty="0"/>
+              <a:t>ניסיון – לכל </a:t>
+            </a:r>
+            <a:r>
+              <a:rPr lang="en-US" sz="1800" dirty="0"/>
+              <a:t>S =&lt;</a:t>
+            </a:r>
+            <a:r>
+              <a:rPr lang="en-US" dirty="0"/>
+              <a:t> f(s) =&lt; S+1</a:t>
+            </a:r>
+            <a:r>
+              <a:rPr lang="he-IL" dirty="0"/>
+              <a:t> בשיטות המחלק, כאשר מחלקים </a:t>
+            </a:r>
+            <a:r>
+              <a:rPr lang="en-US" dirty="0"/>
+              <a:t>a+b+1</a:t>
+            </a:r>
+            <a:r>
+              <a:rPr lang="he-IL" dirty="0"/>
+              <a:t> מושבים לשתי מפלגות, נקבל שלמפלגה א מגיע </a:t>
+            </a:r>
+            <a:r>
+              <a:rPr lang="en-US" dirty="0"/>
+              <a:t>a</a:t>
+            </a:r>
+            <a:r>
+              <a:rPr lang="he-IL" dirty="0"/>
+              <a:t>+שארית מושבים ולמפלגה ב </a:t>
+            </a:r>
+            <a:r>
+              <a:rPr lang="en-US" dirty="0"/>
+              <a:t>b</a:t>
+            </a:r>
+            <a:r>
+              <a:rPr lang="he-IL" dirty="0"/>
+              <a:t>+שארית מושבים, נגיד שמפלגה א' תקבל את המושב הנוסף אם ורק אם השארית של מפלגה א' גדולה מ </a:t>
+            </a:r>
+            <a:r>
+              <a:rPr lang="en-US" dirty="0"/>
+              <a:t>0.5 – (a-b)*(0.5)/(a+b+2)</a:t>
+            </a:r>
+            <a:r>
+              <a:rPr lang="he-IL" dirty="0"/>
+              <a:t>.</a:t>
+            </a:r>
+          </a:p>
+          <a:p>
+            <a:pPr algn="r" rtl="1"/>
+            <a:endParaRPr lang="he-IL" sz="1800" dirty="0"/>
+          </a:p>
+          <a:p>
+            <a:pPr algn="r" rtl="1"/>
+            <a:r>
+              <a:rPr lang="he-IL" dirty="0"/>
+              <a:t>מסקנה כאשר א' תקבל את המושב הנוסף אז ב' לא יקבל והיא תקבל מכסה תחתונה או להפך.</a:t>
+            </a:r>
+            <a:endParaRPr lang="he-IL" sz="1800" dirty="0"/>
+          </a:p>
+        </p:txBody>
+      </p:sp>
+    </p:spTree>
+    <p:extLst>
+      <p:ext uri="{BB962C8B-B14F-4D97-AF65-F5344CB8AC3E}">
+        <p14:creationId xmlns:p14="http://schemas.microsoft.com/office/powerpoint/2010/main" val="1805334236"/>
       </p:ext>
     </p:extLst>
   </p:cSld>
